--- a/ppt 16-9/0790.灵界十山.pptx
+++ b/ppt 16-9/0790.灵界十山.pptx
@@ -129,7 +129,7 @@
           <p:cNvPr id="2" name="标题 1">
             <a:extLst>
               <a:ext uri="{FF2B5EF4-FFF2-40B4-BE49-F238E27FC236}">
-                <a16:creationId xmlns:a16="http://schemas.microsoft.com/office/drawing/2014/main" id="{ECC630A5-D8C0-356E-D1FE-785160F5640A}"/>
+                <a16:creationId xmlns:a16="http://schemas.microsoft.com/office/drawing/2014/main" id="{54211D86-9F73-6EE0-62FF-B21E683854C8}"/>
               </a:ext>
             </a:extLst>
           </p:cNvPr>
@@ -166,7 +166,7 @@
           <p:cNvPr id="3" name="副标题 2">
             <a:extLst>
               <a:ext uri="{FF2B5EF4-FFF2-40B4-BE49-F238E27FC236}">
-                <a16:creationId xmlns:a16="http://schemas.microsoft.com/office/drawing/2014/main" id="{1D60CF34-507C-5B5B-89E9-595F1F3D98D4}"/>
+                <a16:creationId xmlns:a16="http://schemas.microsoft.com/office/drawing/2014/main" id="{1C756D4F-A2B3-2174-D88C-CED320B01D7B}"/>
               </a:ext>
             </a:extLst>
           </p:cNvPr>
@@ -236,7 +236,7 @@
           <p:cNvPr id="4" name="日期占位符 3">
             <a:extLst>
               <a:ext uri="{FF2B5EF4-FFF2-40B4-BE49-F238E27FC236}">
-                <a16:creationId xmlns:a16="http://schemas.microsoft.com/office/drawing/2014/main" id="{0BB72543-7BB9-2A79-BEB4-7298473FCBEA}"/>
+                <a16:creationId xmlns:a16="http://schemas.microsoft.com/office/drawing/2014/main" id="{2600CB92-B1F6-CBA2-0F25-C65DAF025742}"/>
               </a:ext>
             </a:extLst>
           </p:cNvPr>
@@ -252,7 +252,7 @@
           <a:bodyPr/>
           <a:lstStyle/>
           <a:p>
-            <a:fld id="{D513081D-6784-44BD-B0E5-0EB5DD2C4A0C}" type="datetimeFigureOut">
+            <a:fld id="{4904D972-448C-42DF-963E-D40083528948}" type="datetimeFigureOut">
               <a:rPr lang="zh-CN" altLang="en-US" smtClean="0"/>
               <a:t>2024/3/10</a:t>
             </a:fld>
@@ -265,7 +265,7 @@
           <p:cNvPr id="5" name="页脚占位符 4">
             <a:extLst>
               <a:ext uri="{FF2B5EF4-FFF2-40B4-BE49-F238E27FC236}">
-                <a16:creationId xmlns:a16="http://schemas.microsoft.com/office/drawing/2014/main" id="{26573FBB-3A85-69EB-1898-A9D4AE42DF7B}"/>
+                <a16:creationId xmlns:a16="http://schemas.microsoft.com/office/drawing/2014/main" id="{8DD71EDF-26E0-1189-575B-43A7A633C247}"/>
               </a:ext>
             </a:extLst>
           </p:cNvPr>
@@ -290,7 +290,7 @@
           <p:cNvPr id="6" name="灯片编号占位符 5">
             <a:extLst>
               <a:ext uri="{FF2B5EF4-FFF2-40B4-BE49-F238E27FC236}">
-                <a16:creationId xmlns:a16="http://schemas.microsoft.com/office/drawing/2014/main" id="{E422D564-6D3B-0ABD-D0DA-605DBB139C0B}"/>
+                <a16:creationId xmlns:a16="http://schemas.microsoft.com/office/drawing/2014/main" id="{8AB5791C-2578-4328-64F1-43486AE05DD9}"/>
               </a:ext>
             </a:extLst>
           </p:cNvPr>
@@ -306,7 +306,7 @@
           <a:bodyPr/>
           <a:lstStyle/>
           <a:p>
-            <a:fld id="{349C093A-47EF-40F7-9226-DCEE87C7A08A}" type="slidenum">
+            <a:fld id="{56CB6C3B-D996-4F0A-8B62-F26A244D9AA4}" type="slidenum">
               <a:rPr lang="zh-CN" altLang="en-US" smtClean="0"/>
               <a:t>‹#›</a:t>
             </a:fld>
@@ -317,7 +317,7 @@
     </p:spTree>
     <p:extLst>
       <p:ext uri="{BB962C8B-B14F-4D97-AF65-F5344CB8AC3E}">
-        <p14:creationId xmlns:p14="http://schemas.microsoft.com/office/powerpoint/2010/main" val="2377421222"/>
+        <p14:creationId xmlns:p14="http://schemas.microsoft.com/office/powerpoint/2010/main" val="2465252412"/>
       </p:ext>
     </p:extLst>
   </p:cSld>
@@ -349,7 +349,7 @@
           <p:cNvPr id="2" name="标题 1">
             <a:extLst>
               <a:ext uri="{FF2B5EF4-FFF2-40B4-BE49-F238E27FC236}">
-                <a16:creationId xmlns:a16="http://schemas.microsoft.com/office/drawing/2014/main" id="{A4F1567A-D9D2-9C9B-AE3B-0F2DDAA1EF85}"/>
+                <a16:creationId xmlns:a16="http://schemas.microsoft.com/office/drawing/2014/main" id="{E0E59811-33D6-ED35-FB98-0F18D9C505E6}"/>
               </a:ext>
             </a:extLst>
           </p:cNvPr>
@@ -377,7 +377,7 @@
           <p:cNvPr id="3" name="竖排文字占位符 2">
             <a:extLst>
               <a:ext uri="{FF2B5EF4-FFF2-40B4-BE49-F238E27FC236}">
-                <a16:creationId xmlns:a16="http://schemas.microsoft.com/office/drawing/2014/main" id="{317D9775-0B28-8F50-660E-99D0B811CC91}"/>
+                <a16:creationId xmlns:a16="http://schemas.microsoft.com/office/drawing/2014/main" id="{837F6F06-8614-6149-74BA-3321DB552171}"/>
               </a:ext>
             </a:extLst>
           </p:cNvPr>
@@ -434,7 +434,7 @@
           <p:cNvPr id="4" name="日期占位符 3">
             <a:extLst>
               <a:ext uri="{FF2B5EF4-FFF2-40B4-BE49-F238E27FC236}">
-                <a16:creationId xmlns:a16="http://schemas.microsoft.com/office/drawing/2014/main" id="{0D52899E-3432-7793-7E5D-7991A698D11B}"/>
+                <a16:creationId xmlns:a16="http://schemas.microsoft.com/office/drawing/2014/main" id="{8F573D53-E693-154D-2067-377CF3CD4E73}"/>
               </a:ext>
             </a:extLst>
           </p:cNvPr>
@@ -450,7 +450,7 @@
           <a:bodyPr/>
           <a:lstStyle/>
           <a:p>
-            <a:fld id="{D513081D-6784-44BD-B0E5-0EB5DD2C4A0C}" type="datetimeFigureOut">
+            <a:fld id="{4904D972-448C-42DF-963E-D40083528948}" type="datetimeFigureOut">
               <a:rPr lang="zh-CN" altLang="en-US" smtClean="0"/>
               <a:t>2024/3/10</a:t>
             </a:fld>
@@ -463,7 +463,7 @@
           <p:cNvPr id="5" name="页脚占位符 4">
             <a:extLst>
               <a:ext uri="{FF2B5EF4-FFF2-40B4-BE49-F238E27FC236}">
-                <a16:creationId xmlns:a16="http://schemas.microsoft.com/office/drawing/2014/main" id="{5273B321-79C9-D99F-2C65-5402C14EFE7E}"/>
+                <a16:creationId xmlns:a16="http://schemas.microsoft.com/office/drawing/2014/main" id="{49E6858E-E53F-FA7A-1A98-3BCB0A6C38A6}"/>
               </a:ext>
             </a:extLst>
           </p:cNvPr>
@@ -488,7 +488,7 @@
           <p:cNvPr id="6" name="灯片编号占位符 5">
             <a:extLst>
               <a:ext uri="{FF2B5EF4-FFF2-40B4-BE49-F238E27FC236}">
-                <a16:creationId xmlns:a16="http://schemas.microsoft.com/office/drawing/2014/main" id="{EA51D55E-EFEB-16D1-904D-B11DFB05D6B4}"/>
+                <a16:creationId xmlns:a16="http://schemas.microsoft.com/office/drawing/2014/main" id="{82F0A144-F264-C83E-30F1-9C3360F85F4C}"/>
               </a:ext>
             </a:extLst>
           </p:cNvPr>
@@ -504,7 +504,7 @@
           <a:bodyPr/>
           <a:lstStyle/>
           <a:p>
-            <a:fld id="{349C093A-47EF-40F7-9226-DCEE87C7A08A}" type="slidenum">
+            <a:fld id="{56CB6C3B-D996-4F0A-8B62-F26A244D9AA4}" type="slidenum">
               <a:rPr lang="zh-CN" altLang="en-US" smtClean="0"/>
               <a:t>‹#›</a:t>
             </a:fld>
@@ -515,7 +515,7 @@
     </p:spTree>
     <p:extLst>
       <p:ext uri="{BB962C8B-B14F-4D97-AF65-F5344CB8AC3E}">
-        <p14:creationId xmlns:p14="http://schemas.microsoft.com/office/powerpoint/2010/main" val="2001133733"/>
+        <p14:creationId xmlns:p14="http://schemas.microsoft.com/office/powerpoint/2010/main" val="1968810620"/>
       </p:ext>
     </p:extLst>
   </p:cSld>
@@ -547,7 +547,7 @@
           <p:cNvPr id="2" name="竖排标题 1">
             <a:extLst>
               <a:ext uri="{FF2B5EF4-FFF2-40B4-BE49-F238E27FC236}">
-                <a16:creationId xmlns:a16="http://schemas.microsoft.com/office/drawing/2014/main" id="{006D9C97-C7EF-5923-BB24-F3205A4D6354}"/>
+                <a16:creationId xmlns:a16="http://schemas.microsoft.com/office/drawing/2014/main" id="{19B4FAC6-01FA-BAF2-06D9-AF0B7DB7361C}"/>
               </a:ext>
             </a:extLst>
           </p:cNvPr>
@@ -580,7 +580,7 @@
           <p:cNvPr id="3" name="竖排文字占位符 2">
             <a:extLst>
               <a:ext uri="{FF2B5EF4-FFF2-40B4-BE49-F238E27FC236}">
-                <a16:creationId xmlns:a16="http://schemas.microsoft.com/office/drawing/2014/main" id="{250A299B-FA26-9320-DBB2-3829AFD95A06}"/>
+                <a16:creationId xmlns:a16="http://schemas.microsoft.com/office/drawing/2014/main" id="{920390E4-F079-D105-94DB-B57E0F429077}"/>
               </a:ext>
             </a:extLst>
           </p:cNvPr>
@@ -642,7 +642,7 @@
           <p:cNvPr id="4" name="日期占位符 3">
             <a:extLst>
               <a:ext uri="{FF2B5EF4-FFF2-40B4-BE49-F238E27FC236}">
-                <a16:creationId xmlns:a16="http://schemas.microsoft.com/office/drawing/2014/main" id="{FE726CAA-C37F-E089-4732-93A468B6D9D7}"/>
+                <a16:creationId xmlns:a16="http://schemas.microsoft.com/office/drawing/2014/main" id="{23E9C884-F895-01A7-D22B-E0FF05E88CA2}"/>
               </a:ext>
             </a:extLst>
           </p:cNvPr>
@@ -658,7 +658,7 @@
           <a:bodyPr/>
           <a:lstStyle/>
           <a:p>
-            <a:fld id="{D513081D-6784-44BD-B0E5-0EB5DD2C4A0C}" type="datetimeFigureOut">
+            <a:fld id="{4904D972-448C-42DF-963E-D40083528948}" type="datetimeFigureOut">
               <a:rPr lang="zh-CN" altLang="en-US" smtClean="0"/>
               <a:t>2024/3/10</a:t>
             </a:fld>
@@ -671,7 +671,7 @@
           <p:cNvPr id="5" name="页脚占位符 4">
             <a:extLst>
               <a:ext uri="{FF2B5EF4-FFF2-40B4-BE49-F238E27FC236}">
-                <a16:creationId xmlns:a16="http://schemas.microsoft.com/office/drawing/2014/main" id="{CFB1CD24-0422-EBC6-9B8D-81097BC34F61}"/>
+                <a16:creationId xmlns:a16="http://schemas.microsoft.com/office/drawing/2014/main" id="{765AB3F0-F0AC-2EE2-5572-DBCCBED7F023}"/>
               </a:ext>
             </a:extLst>
           </p:cNvPr>
@@ -696,7 +696,7 @@
           <p:cNvPr id="6" name="灯片编号占位符 5">
             <a:extLst>
               <a:ext uri="{FF2B5EF4-FFF2-40B4-BE49-F238E27FC236}">
-                <a16:creationId xmlns:a16="http://schemas.microsoft.com/office/drawing/2014/main" id="{1E5048B6-DC4C-FEFF-12D4-A9C8346EFCFD}"/>
+                <a16:creationId xmlns:a16="http://schemas.microsoft.com/office/drawing/2014/main" id="{E25DF238-93F8-2733-8547-F37B9F9E90FB}"/>
               </a:ext>
             </a:extLst>
           </p:cNvPr>
@@ -712,7 +712,7 @@
           <a:bodyPr/>
           <a:lstStyle/>
           <a:p>
-            <a:fld id="{349C093A-47EF-40F7-9226-DCEE87C7A08A}" type="slidenum">
+            <a:fld id="{56CB6C3B-D996-4F0A-8B62-F26A244D9AA4}" type="slidenum">
               <a:rPr lang="zh-CN" altLang="en-US" smtClean="0"/>
               <a:t>‹#›</a:t>
             </a:fld>
@@ -723,7 +723,7 @@
     </p:spTree>
     <p:extLst>
       <p:ext uri="{BB962C8B-B14F-4D97-AF65-F5344CB8AC3E}">
-        <p14:creationId xmlns:p14="http://schemas.microsoft.com/office/powerpoint/2010/main" val="1319740319"/>
+        <p14:creationId xmlns:p14="http://schemas.microsoft.com/office/powerpoint/2010/main" val="3415255737"/>
       </p:ext>
     </p:extLst>
   </p:cSld>
@@ -755,7 +755,7 @@
           <p:cNvPr id="2" name="标题 1">
             <a:extLst>
               <a:ext uri="{FF2B5EF4-FFF2-40B4-BE49-F238E27FC236}">
-                <a16:creationId xmlns:a16="http://schemas.microsoft.com/office/drawing/2014/main" id="{24AF185A-9C76-60A5-3D32-DD5CA7B0925C}"/>
+                <a16:creationId xmlns:a16="http://schemas.microsoft.com/office/drawing/2014/main" id="{9C4B6072-60DB-84C6-F633-3538CF30F4E4}"/>
               </a:ext>
             </a:extLst>
           </p:cNvPr>
@@ -783,7 +783,7 @@
           <p:cNvPr id="3" name="内容占位符 2">
             <a:extLst>
               <a:ext uri="{FF2B5EF4-FFF2-40B4-BE49-F238E27FC236}">
-                <a16:creationId xmlns:a16="http://schemas.microsoft.com/office/drawing/2014/main" id="{02B4F954-0668-854F-909F-0A1A5BD13E50}"/>
+                <a16:creationId xmlns:a16="http://schemas.microsoft.com/office/drawing/2014/main" id="{07A96D86-929A-8443-A53A-01AD07528AE8}"/>
               </a:ext>
             </a:extLst>
           </p:cNvPr>
@@ -840,7 +840,7 @@
           <p:cNvPr id="4" name="日期占位符 3">
             <a:extLst>
               <a:ext uri="{FF2B5EF4-FFF2-40B4-BE49-F238E27FC236}">
-                <a16:creationId xmlns:a16="http://schemas.microsoft.com/office/drawing/2014/main" id="{B8C70DAC-E3A4-4BA1-D463-CB031A236D27}"/>
+                <a16:creationId xmlns:a16="http://schemas.microsoft.com/office/drawing/2014/main" id="{DFDE416F-319B-080E-971C-DF26C66870B7}"/>
               </a:ext>
             </a:extLst>
           </p:cNvPr>
@@ -856,7 +856,7 @@
           <a:bodyPr/>
           <a:lstStyle/>
           <a:p>
-            <a:fld id="{D513081D-6784-44BD-B0E5-0EB5DD2C4A0C}" type="datetimeFigureOut">
+            <a:fld id="{4904D972-448C-42DF-963E-D40083528948}" type="datetimeFigureOut">
               <a:rPr lang="zh-CN" altLang="en-US" smtClean="0"/>
               <a:t>2024/3/10</a:t>
             </a:fld>
@@ -869,7 +869,7 @@
           <p:cNvPr id="5" name="页脚占位符 4">
             <a:extLst>
               <a:ext uri="{FF2B5EF4-FFF2-40B4-BE49-F238E27FC236}">
-                <a16:creationId xmlns:a16="http://schemas.microsoft.com/office/drawing/2014/main" id="{4DB207E0-FD74-F341-97E7-B1F6D1378381}"/>
+                <a16:creationId xmlns:a16="http://schemas.microsoft.com/office/drawing/2014/main" id="{D08F8CE7-5E5A-21E6-5FA9-87457B11966A}"/>
               </a:ext>
             </a:extLst>
           </p:cNvPr>
@@ -894,7 +894,7 @@
           <p:cNvPr id="6" name="灯片编号占位符 5">
             <a:extLst>
               <a:ext uri="{FF2B5EF4-FFF2-40B4-BE49-F238E27FC236}">
-                <a16:creationId xmlns:a16="http://schemas.microsoft.com/office/drawing/2014/main" id="{CCDFA0A7-83A8-8995-B219-CD7D2C2F9365}"/>
+                <a16:creationId xmlns:a16="http://schemas.microsoft.com/office/drawing/2014/main" id="{282FEB41-D22F-9731-1582-733243F88ECB}"/>
               </a:ext>
             </a:extLst>
           </p:cNvPr>
@@ -910,7 +910,7 @@
           <a:bodyPr/>
           <a:lstStyle/>
           <a:p>
-            <a:fld id="{349C093A-47EF-40F7-9226-DCEE87C7A08A}" type="slidenum">
+            <a:fld id="{56CB6C3B-D996-4F0A-8B62-F26A244D9AA4}" type="slidenum">
               <a:rPr lang="zh-CN" altLang="en-US" smtClean="0"/>
               <a:t>‹#›</a:t>
             </a:fld>
@@ -921,7 +921,7 @@
     </p:spTree>
     <p:extLst>
       <p:ext uri="{BB962C8B-B14F-4D97-AF65-F5344CB8AC3E}">
-        <p14:creationId xmlns:p14="http://schemas.microsoft.com/office/powerpoint/2010/main" val="1752224559"/>
+        <p14:creationId xmlns:p14="http://schemas.microsoft.com/office/powerpoint/2010/main" val="1142830315"/>
       </p:ext>
     </p:extLst>
   </p:cSld>
@@ -953,7 +953,7 @@
           <p:cNvPr id="2" name="标题 1">
             <a:extLst>
               <a:ext uri="{FF2B5EF4-FFF2-40B4-BE49-F238E27FC236}">
-                <a16:creationId xmlns:a16="http://schemas.microsoft.com/office/drawing/2014/main" id="{E5E15452-6F21-8618-0D56-7A18CD14A8C4}"/>
+                <a16:creationId xmlns:a16="http://schemas.microsoft.com/office/drawing/2014/main" id="{0FFC8EC7-8D46-BF74-2750-5C5CB8312221}"/>
               </a:ext>
             </a:extLst>
           </p:cNvPr>
@@ -990,7 +990,7 @@
           <p:cNvPr id="3" name="文本占位符 2">
             <a:extLst>
               <a:ext uri="{FF2B5EF4-FFF2-40B4-BE49-F238E27FC236}">
-                <a16:creationId xmlns:a16="http://schemas.microsoft.com/office/drawing/2014/main" id="{15FCCC45-03AC-9899-3734-6E1467AEF78D}"/>
+                <a16:creationId xmlns:a16="http://schemas.microsoft.com/office/drawing/2014/main" id="{B83D0DD2-7939-EBB6-D071-B3974A13808C}"/>
               </a:ext>
             </a:extLst>
           </p:cNvPr>
@@ -1115,7 +1115,7 @@
           <p:cNvPr id="4" name="日期占位符 3">
             <a:extLst>
               <a:ext uri="{FF2B5EF4-FFF2-40B4-BE49-F238E27FC236}">
-                <a16:creationId xmlns:a16="http://schemas.microsoft.com/office/drawing/2014/main" id="{8D2226BD-AEF2-A2BF-B826-D4EB6E51731C}"/>
+                <a16:creationId xmlns:a16="http://schemas.microsoft.com/office/drawing/2014/main" id="{873CB296-CFD2-1B53-6F39-03AB16D7433B}"/>
               </a:ext>
             </a:extLst>
           </p:cNvPr>
@@ -1131,7 +1131,7 @@
           <a:bodyPr/>
           <a:lstStyle/>
           <a:p>
-            <a:fld id="{D513081D-6784-44BD-B0E5-0EB5DD2C4A0C}" type="datetimeFigureOut">
+            <a:fld id="{4904D972-448C-42DF-963E-D40083528948}" type="datetimeFigureOut">
               <a:rPr lang="zh-CN" altLang="en-US" smtClean="0"/>
               <a:t>2024/3/10</a:t>
             </a:fld>
@@ -1144,7 +1144,7 @@
           <p:cNvPr id="5" name="页脚占位符 4">
             <a:extLst>
               <a:ext uri="{FF2B5EF4-FFF2-40B4-BE49-F238E27FC236}">
-                <a16:creationId xmlns:a16="http://schemas.microsoft.com/office/drawing/2014/main" id="{7C9156B3-5CF4-5444-FD04-DFCFC44AE3CA}"/>
+                <a16:creationId xmlns:a16="http://schemas.microsoft.com/office/drawing/2014/main" id="{D25402FD-C59D-B8EF-AF39-DFF30ACB6171}"/>
               </a:ext>
             </a:extLst>
           </p:cNvPr>
@@ -1169,7 +1169,7 @@
           <p:cNvPr id="6" name="灯片编号占位符 5">
             <a:extLst>
               <a:ext uri="{FF2B5EF4-FFF2-40B4-BE49-F238E27FC236}">
-                <a16:creationId xmlns:a16="http://schemas.microsoft.com/office/drawing/2014/main" id="{739C0DD2-F217-2C67-50A9-05A439C1C1EE}"/>
+                <a16:creationId xmlns:a16="http://schemas.microsoft.com/office/drawing/2014/main" id="{A9A22301-3F06-3274-AB8F-A4AF9C73E407}"/>
               </a:ext>
             </a:extLst>
           </p:cNvPr>
@@ -1185,7 +1185,7 @@
           <a:bodyPr/>
           <a:lstStyle/>
           <a:p>
-            <a:fld id="{349C093A-47EF-40F7-9226-DCEE87C7A08A}" type="slidenum">
+            <a:fld id="{56CB6C3B-D996-4F0A-8B62-F26A244D9AA4}" type="slidenum">
               <a:rPr lang="zh-CN" altLang="en-US" smtClean="0"/>
               <a:t>‹#›</a:t>
             </a:fld>
@@ -1196,7 +1196,7 @@
     </p:spTree>
     <p:extLst>
       <p:ext uri="{BB962C8B-B14F-4D97-AF65-F5344CB8AC3E}">
-        <p14:creationId xmlns:p14="http://schemas.microsoft.com/office/powerpoint/2010/main" val="1344809715"/>
+        <p14:creationId xmlns:p14="http://schemas.microsoft.com/office/powerpoint/2010/main" val="3978284333"/>
       </p:ext>
     </p:extLst>
   </p:cSld>
@@ -1228,7 +1228,7 @@
           <p:cNvPr id="2" name="标题 1">
             <a:extLst>
               <a:ext uri="{FF2B5EF4-FFF2-40B4-BE49-F238E27FC236}">
-                <a16:creationId xmlns:a16="http://schemas.microsoft.com/office/drawing/2014/main" id="{28A76F45-1D32-ECF1-1198-0C85C3B08880}"/>
+                <a16:creationId xmlns:a16="http://schemas.microsoft.com/office/drawing/2014/main" id="{DFF98675-7B85-1DD0-8FE3-1BCD0701BE1E}"/>
               </a:ext>
             </a:extLst>
           </p:cNvPr>
@@ -1256,7 +1256,7 @@
           <p:cNvPr id="3" name="内容占位符 2">
             <a:extLst>
               <a:ext uri="{FF2B5EF4-FFF2-40B4-BE49-F238E27FC236}">
-                <a16:creationId xmlns:a16="http://schemas.microsoft.com/office/drawing/2014/main" id="{88ABA208-973D-C0AE-0A4D-B5B883A45B6E}"/>
+                <a16:creationId xmlns:a16="http://schemas.microsoft.com/office/drawing/2014/main" id="{D513E556-DAA8-09AC-2578-D13794EA8D3A}"/>
               </a:ext>
             </a:extLst>
           </p:cNvPr>
@@ -1318,7 +1318,7 @@
           <p:cNvPr id="4" name="内容占位符 3">
             <a:extLst>
               <a:ext uri="{FF2B5EF4-FFF2-40B4-BE49-F238E27FC236}">
-                <a16:creationId xmlns:a16="http://schemas.microsoft.com/office/drawing/2014/main" id="{6265EA0B-9B07-B2CE-42E7-F13ED8852A29}"/>
+                <a16:creationId xmlns:a16="http://schemas.microsoft.com/office/drawing/2014/main" id="{D6E934B2-9C51-2C22-DA54-B41928579883}"/>
               </a:ext>
             </a:extLst>
           </p:cNvPr>
@@ -1380,7 +1380,7 @@
           <p:cNvPr id="5" name="日期占位符 4">
             <a:extLst>
               <a:ext uri="{FF2B5EF4-FFF2-40B4-BE49-F238E27FC236}">
-                <a16:creationId xmlns:a16="http://schemas.microsoft.com/office/drawing/2014/main" id="{D68C282B-79F0-9DF1-63BC-0995EFDE0DA9}"/>
+                <a16:creationId xmlns:a16="http://schemas.microsoft.com/office/drawing/2014/main" id="{7B133B6C-6DE8-6869-4587-E3F5B6F6CC1C}"/>
               </a:ext>
             </a:extLst>
           </p:cNvPr>
@@ -1396,7 +1396,7 @@
           <a:bodyPr/>
           <a:lstStyle/>
           <a:p>
-            <a:fld id="{D513081D-6784-44BD-B0E5-0EB5DD2C4A0C}" type="datetimeFigureOut">
+            <a:fld id="{4904D972-448C-42DF-963E-D40083528948}" type="datetimeFigureOut">
               <a:rPr lang="zh-CN" altLang="en-US" smtClean="0"/>
               <a:t>2024/3/10</a:t>
             </a:fld>
@@ -1409,7 +1409,7 @@
           <p:cNvPr id="6" name="页脚占位符 5">
             <a:extLst>
               <a:ext uri="{FF2B5EF4-FFF2-40B4-BE49-F238E27FC236}">
-                <a16:creationId xmlns:a16="http://schemas.microsoft.com/office/drawing/2014/main" id="{DD22CAF6-F4AA-E60C-43D8-C631018EA40C}"/>
+                <a16:creationId xmlns:a16="http://schemas.microsoft.com/office/drawing/2014/main" id="{E9DD80A0-E5A7-5BB7-9B49-EE48756E335D}"/>
               </a:ext>
             </a:extLst>
           </p:cNvPr>
@@ -1434,7 +1434,7 @@
           <p:cNvPr id="7" name="灯片编号占位符 6">
             <a:extLst>
               <a:ext uri="{FF2B5EF4-FFF2-40B4-BE49-F238E27FC236}">
-                <a16:creationId xmlns:a16="http://schemas.microsoft.com/office/drawing/2014/main" id="{C04613C3-53A6-2EB8-EF4D-A48ACF68F9E1}"/>
+                <a16:creationId xmlns:a16="http://schemas.microsoft.com/office/drawing/2014/main" id="{3FE4A0B2-110D-0BAD-A928-26CA16535935}"/>
               </a:ext>
             </a:extLst>
           </p:cNvPr>
@@ -1450,7 +1450,7 @@
           <a:bodyPr/>
           <a:lstStyle/>
           <a:p>
-            <a:fld id="{349C093A-47EF-40F7-9226-DCEE87C7A08A}" type="slidenum">
+            <a:fld id="{56CB6C3B-D996-4F0A-8B62-F26A244D9AA4}" type="slidenum">
               <a:rPr lang="zh-CN" altLang="en-US" smtClean="0"/>
               <a:t>‹#›</a:t>
             </a:fld>
@@ -1461,7 +1461,7 @@
     </p:spTree>
     <p:extLst>
       <p:ext uri="{BB962C8B-B14F-4D97-AF65-F5344CB8AC3E}">
-        <p14:creationId xmlns:p14="http://schemas.microsoft.com/office/powerpoint/2010/main" val="3199622596"/>
+        <p14:creationId xmlns:p14="http://schemas.microsoft.com/office/powerpoint/2010/main" val="2774184749"/>
       </p:ext>
     </p:extLst>
   </p:cSld>
@@ -1493,7 +1493,7 @@
           <p:cNvPr id="2" name="标题 1">
             <a:extLst>
               <a:ext uri="{FF2B5EF4-FFF2-40B4-BE49-F238E27FC236}">
-                <a16:creationId xmlns:a16="http://schemas.microsoft.com/office/drawing/2014/main" id="{393C2F61-770A-FA92-4DFE-46842706905A}"/>
+                <a16:creationId xmlns:a16="http://schemas.microsoft.com/office/drawing/2014/main" id="{96F12954-3A03-18A6-7B7F-9D3DD44AE3BF}"/>
               </a:ext>
             </a:extLst>
           </p:cNvPr>
@@ -1526,7 +1526,7 @@
           <p:cNvPr id="3" name="文本占位符 2">
             <a:extLst>
               <a:ext uri="{FF2B5EF4-FFF2-40B4-BE49-F238E27FC236}">
-                <a16:creationId xmlns:a16="http://schemas.microsoft.com/office/drawing/2014/main" id="{CA53CCF2-FA7E-CF16-6CD5-0A1198739316}"/>
+                <a16:creationId xmlns:a16="http://schemas.microsoft.com/office/drawing/2014/main" id="{8A52F65E-3A80-178C-8200-EE788784984E}"/>
               </a:ext>
             </a:extLst>
           </p:cNvPr>
@@ -1597,7 +1597,7 @@
           <p:cNvPr id="4" name="内容占位符 3">
             <a:extLst>
               <a:ext uri="{FF2B5EF4-FFF2-40B4-BE49-F238E27FC236}">
-                <a16:creationId xmlns:a16="http://schemas.microsoft.com/office/drawing/2014/main" id="{5E47E2A2-5F1A-498A-52CE-86AEFFC584C5}"/>
+                <a16:creationId xmlns:a16="http://schemas.microsoft.com/office/drawing/2014/main" id="{22876E9E-518D-32A0-5DD9-AD6DF4174985}"/>
               </a:ext>
             </a:extLst>
           </p:cNvPr>
@@ -1659,7 +1659,7 @@
           <p:cNvPr id="5" name="文本占位符 4">
             <a:extLst>
               <a:ext uri="{FF2B5EF4-FFF2-40B4-BE49-F238E27FC236}">
-                <a16:creationId xmlns:a16="http://schemas.microsoft.com/office/drawing/2014/main" id="{691D2BB3-07B5-DF24-650F-D3BC1B06A628}"/>
+                <a16:creationId xmlns:a16="http://schemas.microsoft.com/office/drawing/2014/main" id="{AAF258DD-F2C4-2570-AFC7-19790699EC18}"/>
               </a:ext>
             </a:extLst>
           </p:cNvPr>
@@ -1730,7 +1730,7 @@
           <p:cNvPr id="6" name="内容占位符 5">
             <a:extLst>
               <a:ext uri="{FF2B5EF4-FFF2-40B4-BE49-F238E27FC236}">
-                <a16:creationId xmlns:a16="http://schemas.microsoft.com/office/drawing/2014/main" id="{774E6EB5-1EB0-9478-8210-74E88A38B0EB}"/>
+                <a16:creationId xmlns:a16="http://schemas.microsoft.com/office/drawing/2014/main" id="{CB75037F-2D87-BA45-AE07-55E97B20BC9F}"/>
               </a:ext>
             </a:extLst>
           </p:cNvPr>
@@ -1792,7 +1792,7 @@
           <p:cNvPr id="7" name="日期占位符 6">
             <a:extLst>
               <a:ext uri="{FF2B5EF4-FFF2-40B4-BE49-F238E27FC236}">
-                <a16:creationId xmlns:a16="http://schemas.microsoft.com/office/drawing/2014/main" id="{A65AFED5-8FA2-A1D2-C4ED-FD7BC88046BA}"/>
+                <a16:creationId xmlns:a16="http://schemas.microsoft.com/office/drawing/2014/main" id="{64785911-F23C-833D-FE16-16516C8D3B0E}"/>
               </a:ext>
             </a:extLst>
           </p:cNvPr>
@@ -1808,7 +1808,7 @@
           <a:bodyPr/>
           <a:lstStyle/>
           <a:p>
-            <a:fld id="{D513081D-6784-44BD-B0E5-0EB5DD2C4A0C}" type="datetimeFigureOut">
+            <a:fld id="{4904D972-448C-42DF-963E-D40083528948}" type="datetimeFigureOut">
               <a:rPr lang="zh-CN" altLang="en-US" smtClean="0"/>
               <a:t>2024/3/10</a:t>
             </a:fld>
@@ -1821,7 +1821,7 @@
           <p:cNvPr id="8" name="页脚占位符 7">
             <a:extLst>
               <a:ext uri="{FF2B5EF4-FFF2-40B4-BE49-F238E27FC236}">
-                <a16:creationId xmlns:a16="http://schemas.microsoft.com/office/drawing/2014/main" id="{80D7BC5C-BE02-EAC6-0889-7CB16B4ED028}"/>
+                <a16:creationId xmlns:a16="http://schemas.microsoft.com/office/drawing/2014/main" id="{94BDFA35-E786-7836-32CF-2ADB1B1E8CA6}"/>
               </a:ext>
             </a:extLst>
           </p:cNvPr>
@@ -1846,7 +1846,7 @@
           <p:cNvPr id="9" name="灯片编号占位符 8">
             <a:extLst>
               <a:ext uri="{FF2B5EF4-FFF2-40B4-BE49-F238E27FC236}">
-                <a16:creationId xmlns:a16="http://schemas.microsoft.com/office/drawing/2014/main" id="{E740B446-21BB-02FB-9547-A545942BAE72}"/>
+                <a16:creationId xmlns:a16="http://schemas.microsoft.com/office/drawing/2014/main" id="{FF5422AE-8719-199E-CBDD-D5E7275D191B}"/>
               </a:ext>
             </a:extLst>
           </p:cNvPr>
@@ -1862,7 +1862,7 @@
           <a:bodyPr/>
           <a:lstStyle/>
           <a:p>
-            <a:fld id="{349C093A-47EF-40F7-9226-DCEE87C7A08A}" type="slidenum">
+            <a:fld id="{56CB6C3B-D996-4F0A-8B62-F26A244D9AA4}" type="slidenum">
               <a:rPr lang="zh-CN" altLang="en-US" smtClean="0"/>
               <a:t>‹#›</a:t>
             </a:fld>
@@ -1873,7 +1873,7 @@
     </p:spTree>
     <p:extLst>
       <p:ext uri="{BB962C8B-B14F-4D97-AF65-F5344CB8AC3E}">
-        <p14:creationId xmlns:p14="http://schemas.microsoft.com/office/powerpoint/2010/main" val="2593183927"/>
+        <p14:creationId xmlns:p14="http://schemas.microsoft.com/office/powerpoint/2010/main" val="3421355099"/>
       </p:ext>
     </p:extLst>
   </p:cSld>
@@ -1905,7 +1905,7 @@
           <p:cNvPr id="2" name="标题 1">
             <a:extLst>
               <a:ext uri="{FF2B5EF4-FFF2-40B4-BE49-F238E27FC236}">
-                <a16:creationId xmlns:a16="http://schemas.microsoft.com/office/drawing/2014/main" id="{BA68537D-E128-DEE9-3209-737B57F480A7}"/>
+                <a16:creationId xmlns:a16="http://schemas.microsoft.com/office/drawing/2014/main" id="{6FF75A85-B66A-034B-CF49-C95DDDAC2032}"/>
               </a:ext>
             </a:extLst>
           </p:cNvPr>
@@ -1933,7 +1933,7 @@
           <p:cNvPr id="3" name="日期占位符 2">
             <a:extLst>
               <a:ext uri="{FF2B5EF4-FFF2-40B4-BE49-F238E27FC236}">
-                <a16:creationId xmlns:a16="http://schemas.microsoft.com/office/drawing/2014/main" id="{AC85A482-5531-95A3-51E8-F0DD1AAF23A2}"/>
+                <a16:creationId xmlns:a16="http://schemas.microsoft.com/office/drawing/2014/main" id="{73FAF02F-0DF2-BDB4-C836-B5851826D7D3}"/>
               </a:ext>
             </a:extLst>
           </p:cNvPr>
@@ -1949,7 +1949,7 @@
           <a:bodyPr/>
           <a:lstStyle/>
           <a:p>
-            <a:fld id="{D513081D-6784-44BD-B0E5-0EB5DD2C4A0C}" type="datetimeFigureOut">
+            <a:fld id="{4904D972-448C-42DF-963E-D40083528948}" type="datetimeFigureOut">
               <a:rPr lang="zh-CN" altLang="en-US" smtClean="0"/>
               <a:t>2024/3/10</a:t>
             </a:fld>
@@ -1962,7 +1962,7 @@
           <p:cNvPr id="4" name="页脚占位符 3">
             <a:extLst>
               <a:ext uri="{FF2B5EF4-FFF2-40B4-BE49-F238E27FC236}">
-                <a16:creationId xmlns:a16="http://schemas.microsoft.com/office/drawing/2014/main" id="{45492CA2-DB67-07E1-B803-5B6930972FEB}"/>
+                <a16:creationId xmlns:a16="http://schemas.microsoft.com/office/drawing/2014/main" id="{EB378998-7D7F-505B-D2AA-ED89C79EA196}"/>
               </a:ext>
             </a:extLst>
           </p:cNvPr>
@@ -1987,7 +1987,7 @@
           <p:cNvPr id="5" name="灯片编号占位符 4">
             <a:extLst>
               <a:ext uri="{FF2B5EF4-FFF2-40B4-BE49-F238E27FC236}">
-                <a16:creationId xmlns:a16="http://schemas.microsoft.com/office/drawing/2014/main" id="{4C579F65-9FD2-BA61-3D6D-49B16CA50F22}"/>
+                <a16:creationId xmlns:a16="http://schemas.microsoft.com/office/drawing/2014/main" id="{3D253C74-6616-114F-7D1B-0EF8101129E5}"/>
               </a:ext>
             </a:extLst>
           </p:cNvPr>
@@ -2003,7 +2003,7 @@
           <a:bodyPr/>
           <a:lstStyle/>
           <a:p>
-            <a:fld id="{349C093A-47EF-40F7-9226-DCEE87C7A08A}" type="slidenum">
+            <a:fld id="{56CB6C3B-D996-4F0A-8B62-F26A244D9AA4}" type="slidenum">
               <a:rPr lang="zh-CN" altLang="en-US" smtClean="0"/>
               <a:t>‹#›</a:t>
             </a:fld>
@@ -2014,7 +2014,7 @@
     </p:spTree>
     <p:extLst>
       <p:ext uri="{BB962C8B-B14F-4D97-AF65-F5344CB8AC3E}">
-        <p14:creationId xmlns:p14="http://schemas.microsoft.com/office/powerpoint/2010/main" val="177586624"/>
+        <p14:creationId xmlns:p14="http://schemas.microsoft.com/office/powerpoint/2010/main" val="2561352569"/>
       </p:ext>
     </p:extLst>
   </p:cSld>
@@ -2046,7 +2046,7 @@
           <p:cNvPr id="2" name="日期占位符 1">
             <a:extLst>
               <a:ext uri="{FF2B5EF4-FFF2-40B4-BE49-F238E27FC236}">
-                <a16:creationId xmlns:a16="http://schemas.microsoft.com/office/drawing/2014/main" id="{3D52EC07-EACC-5A20-12D0-FC7584832CC8}"/>
+                <a16:creationId xmlns:a16="http://schemas.microsoft.com/office/drawing/2014/main" id="{AA1AB92B-00FE-64B3-D23F-D12764BE597B}"/>
               </a:ext>
             </a:extLst>
           </p:cNvPr>
@@ -2062,7 +2062,7 @@
           <a:bodyPr/>
           <a:lstStyle/>
           <a:p>
-            <a:fld id="{D513081D-6784-44BD-B0E5-0EB5DD2C4A0C}" type="datetimeFigureOut">
+            <a:fld id="{4904D972-448C-42DF-963E-D40083528948}" type="datetimeFigureOut">
               <a:rPr lang="zh-CN" altLang="en-US" smtClean="0"/>
               <a:t>2024/3/10</a:t>
             </a:fld>
@@ -2075,7 +2075,7 @@
           <p:cNvPr id="3" name="页脚占位符 2">
             <a:extLst>
               <a:ext uri="{FF2B5EF4-FFF2-40B4-BE49-F238E27FC236}">
-                <a16:creationId xmlns:a16="http://schemas.microsoft.com/office/drawing/2014/main" id="{D5C321A7-1481-FFA0-D8A4-00AA9278F47B}"/>
+                <a16:creationId xmlns:a16="http://schemas.microsoft.com/office/drawing/2014/main" id="{4A6C1EB5-CE29-E4DA-A1ED-DE99EED02500}"/>
               </a:ext>
             </a:extLst>
           </p:cNvPr>
@@ -2100,7 +2100,7 @@
           <p:cNvPr id="4" name="灯片编号占位符 3">
             <a:extLst>
               <a:ext uri="{FF2B5EF4-FFF2-40B4-BE49-F238E27FC236}">
-                <a16:creationId xmlns:a16="http://schemas.microsoft.com/office/drawing/2014/main" id="{068D28CD-6A9E-807B-9865-2CAC268C24CF}"/>
+                <a16:creationId xmlns:a16="http://schemas.microsoft.com/office/drawing/2014/main" id="{4CF1A4C3-8919-FD1E-C6D2-78A009D84567}"/>
               </a:ext>
             </a:extLst>
           </p:cNvPr>
@@ -2116,7 +2116,7 @@
           <a:bodyPr/>
           <a:lstStyle/>
           <a:p>
-            <a:fld id="{349C093A-47EF-40F7-9226-DCEE87C7A08A}" type="slidenum">
+            <a:fld id="{56CB6C3B-D996-4F0A-8B62-F26A244D9AA4}" type="slidenum">
               <a:rPr lang="zh-CN" altLang="en-US" smtClean="0"/>
               <a:t>‹#›</a:t>
             </a:fld>
@@ -2127,7 +2127,7 @@
     </p:spTree>
     <p:extLst>
       <p:ext uri="{BB962C8B-B14F-4D97-AF65-F5344CB8AC3E}">
-        <p14:creationId xmlns:p14="http://schemas.microsoft.com/office/powerpoint/2010/main" val="3681792055"/>
+        <p14:creationId xmlns:p14="http://schemas.microsoft.com/office/powerpoint/2010/main" val="1498912922"/>
       </p:ext>
     </p:extLst>
   </p:cSld>
@@ -2159,7 +2159,7 @@
           <p:cNvPr id="2" name="标题 1">
             <a:extLst>
               <a:ext uri="{FF2B5EF4-FFF2-40B4-BE49-F238E27FC236}">
-                <a16:creationId xmlns:a16="http://schemas.microsoft.com/office/drawing/2014/main" id="{1BA940A6-054C-3DB5-0DB1-A40EED8F2354}"/>
+                <a16:creationId xmlns:a16="http://schemas.microsoft.com/office/drawing/2014/main" id="{FDFBD46B-A19F-851A-C6D4-021DF87C2796}"/>
               </a:ext>
             </a:extLst>
           </p:cNvPr>
@@ -2196,7 +2196,7 @@
           <p:cNvPr id="3" name="内容占位符 2">
             <a:extLst>
               <a:ext uri="{FF2B5EF4-FFF2-40B4-BE49-F238E27FC236}">
-                <a16:creationId xmlns:a16="http://schemas.microsoft.com/office/drawing/2014/main" id="{192E797B-7769-04F5-C59C-474C5EA8C8F3}"/>
+                <a16:creationId xmlns:a16="http://schemas.microsoft.com/office/drawing/2014/main" id="{ECCC0095-DAA5-66F0-8478-DED41F0B1DDD}"/>
               </a:ext>
             </a:extLst>
           </p:cNvPr>
@@ -2286,7 +2286,7 @@
           <p:cNvPr id="4" name="文本占位符 3">
             <a:extLst>
               <a:ext uri="{FF2B5EF4-FFF2-40B4-BE49-F238E27FC236}">
-                <a16:creationId xmlns:a16="http://schemas.microsoft.com/office/drawing/2014/main" id="{AC478532-6704-7963-A9FF-5D1517EDAFFB}"/>
+                <a16:creationId xmlns:a16="http://schemas.microsoft.com/office/drawing/2014/main" id="{0B7F8E38-CCF3-6B9F-F0B7-9E30CAD8D417}"/>
               </a:ext>
             </a:extLst>
           </p:cNvPr>
@@ -2357,7 +2357,7 @@
           <p:cNvPr id="5" name="日期占位符 4">
             <a:extLst>
               <a:ext uri="{FF2B5EF4-FFF2-40B4-BE49-F238E27FC236}">
-                <a16:creationId xmlns:a16="http://schemas.microsoft.com/office/drawing/2014/main" id="{DBB0D7DF-B774-6BF5-150D-9808F1992F93}"/>
+                <a16:creationId xmlns:a16="http://schemas.microsoft.com/office/drawing/2014/main" id="{607356D7-2F53-7205-8D89-66FC3F8A71D8}"/>
               </a:ext>
             </a:extLst>
           </p:cNvPr>
@@ -2373,7 +2373,7 @@
           <a:bodyPr/>
           <a:lstStyle/>
           <a:p>
-            <a:fld id="{D513081D-6784-44BD-B0E5-0EB5DD2C4A0C}" type="datetimeFigureOut">
+            <a:fld id="{4904D972-448C-42DF-963E-D40083528948}" type="datetimeFigureOut">
               <a:rPr lang="zh-CN" altLang="en-US" smtClean="0"/>
               <a:t>2024/3/10</a:t>
             </a:fld>
@@ -2386,7 +2386,7 @@
           <p:cNvPr id="6" name="页脚占位符 5">
             <a:extLst>
               <a:ext uri="{FF2B5EF4-FFF2-40B4-BE49-F238E27FC236}">
-                <a16:creationId xmlns:a16="http://schemas.microsoft.com/office/drawing/2014/main" id="{80406DB6-6E2E-E73C-5FBD-265F15CCCF83}"/>
+                <a16:creationId xmlns:a16="http://schemas.microsoft.com/office/drawing/2014/main" id="{455BD253-727E-5BFD-7069-0439CF0163BF}"/>
               </a:ext>
             </a:extLst>
           </p:cNvPr>
@@ -2411,7 +2411,7 @@
           <p:cNvPr id="7" name="灯片编号占位符 6">
             <a:extLst>
               <a:ext uri="{FF2B5EF4-FFF2-40B4-BE49-F238E27FC236}">
-                <a16:creationId xmlns:a16="http://schemas.microsoft.com/office/drawing/2014/main" id="{B0F3C5BA-21E2-E6B7-6F74-BDDE9A7ACE17}"/>
+                <a16:creationId xmlns:a16="http://schemas.microsoft.com/office/drawing/2014/main" id="{2EDEBAE0-CA8F-C3DD-0929-A5138091C56F}"/>
               </a:ext>
             </a:extLst>
           </p:cNvPr>
@@ -2427,7 +2427,7 @@
           <a:bodyPr/>
           <a:lstStyle/>
           <a:p>
-            <a:fld id="{349C093A-47EF-40F7-9226-DCEE87C7A08A}" type="slidenum">
+            <a:fld id="{56CB6C3B-D996-4F0A-8B62-F26A244D9AA4}" type="slidenum">
               <a:rPr lang="zh-CN" altLang="en-US" smtClean="0"/>
               <a:t>‹#›</a:t>
             </a:fld>
@@ -2438,7 +2438,7 @@
     </p:spTree>
     <p:extLst>
       <p:ext uri="{BB962C8B-B14F-4D97-AF65-F5344CB8AC3E}">
-        <p14:creationId xmlns:p14="http://schemas.microsoft.com/office/powerpoint/2010/main" val="554481708"/>
+        <p14:creationId xmlns:p14="http://schemas.microsoft.com/office/powerpoint/2010/main" val="761826016"/>
       </p:ext>
     </p:extLst>
   </p:cSld>
@@ -2470,7 +2470,7 @@
           <p:cNvPr id="2" name="标题 1">
             <a:extLst>
               <a:ext uri="{FF2B5EF4-FFF2-40B4-BE49-F238E27FC236}">
-                <a16:creationId xmlns:a16="http://schemas.microsoft.com/office/drawing/2014/main" id="{E633BC60-0E4F-F933-9E47-261866E37666}"/>
+                <a16:creationId xmlns:a16="http://schemas.microsoft.com/office/drawing/2014/main" id="{BDBA6AC2-8A2F-03AE-1BE4-12D37B7D16AE}"/>
               </a:ext>
             </a:extLst>
           </p:cNvPr>
@@ -2507,7 +2507,7 @@
           <p:cNvPr id="3" name="图片占位符 2">
             <a:extLst>
               <a:ext uri="{FF2B5EF4-FFF2-40B4-BE49-F238E27FC236}">
-                <a16:creationId xmlns:a16="http://schemas.microsoft.com/office/drawing/2014/main" id="{DF6063EF-5DAD-8F10-31B9-9E73C516BCAD}"/>
+                <a16:creationId xmlns:a16="http://schemas.microsoft.com/office/drawing/2014/main" id="{D385F977-DDCF-ABE6-65AE-348CE77BB185}"/>
               </a:ext>
             </a:extLst>
           </p:cNvPr>
@@ -2574,7 +2574,7 @@
           <p:cNvPr id="4" name="文本占位符 3">
             <a:extLst>
               <a:ext uri="{FF2B5EF4-FFF2-40B4-BE49-F238E27FC236}">
-                <a16:creationId xmlns:a16="http://schemas.microsoft.com/office/drawing/2014/main" id="{A0A58D3A-9D30-57C7-C33C-D758CB3B143F}"/>
+                <a16:creationId xmlns:a16="http://schemas.microsoft.com/office/drawing/2014/main" id="{2B14D8A2-609D-74F6-EC09-1727D1DEA76F}"/>
               </a:ext>
             </a:extLst>
           </p:cNvPr>
@@ -2645,7 +2645,7 @@
           <p:cNvPr id="5" name="日期占位符 4">
             <a:extLst>
               <a:ext uri="{FF2B5EF4-FFF2-40B4-BE49-F238E27FC236}">
-                <a16:creationId xmlns:a16="http://schemas.microsoft.com/office/drawing/2014/main" id="{2E1FC34B-1566-5D83-402C-51BB0141F3C5}"/>
+                <a16:creationId xmlns:a16="http://schemas.microsoft.com/office/drawing/2014/main" id="{18DE3DA5-11D5-0940-D1EB-A77A27D98AC6}"/>
               </a:ext>
             </a:extLst>
           </p:cNvPr>
@@ -2661,7 +2661,7 @@
           <a:bodyPr/>
           <a:lstStyle/>
           <a:p>
-            <a:fld id="{D513081D-6784-44BD-B0E5-0EB5DD2C4A0C}" type="datetimeFigureOut">
+            <a:fld id="{4904D972-448C-42DF-963E-D40083528948}" type="datetimeFigureOut">
               <a:rPr lang="zh-CN" altLang="en-US" smtClean="0"/>
               <a:t>2024/3/10</a:t>
             </a:fld>
@@ -2674,7 +2674,7 @@
           <p:cNvPr id="6" name="页脚占位符 5">
             <a:extLst>
               <a:ext uri="{FF2B5EF4-FFF2-40B4-BE49-F238E27FC236}">
-                <a16:creationId xmlns:a16="http://schemas.microsoft.com/office/drawing/2014/main" id="{D3630442-1B8A-410B-57CC-3B9835697014}"/>
+                <a16:creationId xmlns:a16="http://schemas.microsoft.com/office/drawing/2014/main" id="{7A3B40F3-F5E1-5C1E-F38B-4D56AECFD153}"/>
               </a:ext>
             </a:extLst>
           </p:cNvPr>
@@ -2699,7 +2699,7 @@
           <p:cNvPr id="7" name="灯片编号占位符 6">
             <a:extLst>
               <a:ext uri="{FF2B5EF4-FFF2-40B4-BE49-F238E27FC236}">
-                <a16:creationId xmlns:a16="http://schemas.microsoft.com/office/drawing/2014/main" id="{5C39A651-8697-AC50-4126-21783B5C786F}"/>
+                <a16:creationId xmlns:a16="http://schemas.microsoft.com/office/drawing/2014/main" id="{48940C6F-A277-F8F7-8AF4-A130CE0EBD9F}"/>
               </a:ext>
             </a:extLst>
           </p:cNvPr>
@@ -2715,7 +2715,7 @@
           <a:bodyPr/>
           <a:lstStyle/>
           <a:p>
-            <a:fld id="{349C093A-47EF-40F7-9226-DCEE87C7A08A}" type="slidenum">
+            <a:fld id="{56CB6C3B-D996-4F0A-8B62-F26A244D9AA4}" type="slidenum">
               <a:rPr lang="zh-CN" altLang="en-US" smtClean="0"/>
               <a:t>‹#›</a:t>
             </a:fld>
@@ -2726,7 +2726,7 @@
     </p:spTree>
     <p:extLst>
       <p:ext uri="{BB962C8B-B14F-4D97-AF65-F5344CB8AC3E}">
-        <p14:creationId xmlns:p14="http://schemas.microsoft.com/office/powerpoint/2010/main" val="3063037459"/>
+        <p14:creationId xmlns:p14="http://schemas.microsoft.com/office/powerpoint/2010/main" val="2478025442"/>
       </p:ext>
     </p:extLst>
   </p:cSld>
@@ -2763,7 +2763,7 @@
           <p:cNvPr id="2" name="标题占位符 1">
             <a:extLst>
               <a:ext uri="{FF2B5EF4-FFF2-40B4-BE49-F238E27FC236}">
-                <a16:creationId xmlns:a16="http://schemas.microsoft.com/office/drawing/2014/main" id="{E1796AC9-05DA-DDA3-ABC2-EF9EF483AAA6}"/>
+                <a16:creationId xmlns:a16="http://schemas.microsoft.com/office/drawing/2014/main" id="{5D925E02-0BD9-A6D4-A387-C79104B8BCAB}"/>
               </a:ext>
             </a:extLst>
           </p:cNvPr>
@@ -2801,7 +2801,7 @@
           <p:cNvPr id="3" name="文本占位符 2">
             <a:extLst>
               <a:ext uri="{FF2B5EF4-FFF2-40B4-BE49-F238E27FC236}">
-                <a16:creationId xmlns:a16="http://schemas.microsoft.com/office/drawing/2014/main" id="{9BE70C04-F0FE-D4AC-F636-1135239048B0}"/>
+                <a16:creationId xmlns:a16="http://schemas.microsoft.com/office/drawing/2014/main" id="{721E030F-35FB-449D-14F8-A38CC63F8C42}"/>
               </a:ext>
             </a:extLst>
           </p:cNvPr>
@@ -2868,7 +2868,7 @@
           <p:cNvPr id="4" name="日期占位符 3">
             <a:extLst>
               <a:ext uri="{FF2B5EF4-FFF2-40B4-BE49-F238E27FC236}">
-                <a16:creationId xmlns:a16="http://schemas.microsoft.com/office/drawing/2014/main" id="{7EA8FFFA-E3C3-D9C6-FC37-C965E313FF8A}"/>
+                <a16:creationId xmlns:a16="http://schemas.microsoft.com/office/drawing/2014/main" id="{D7D6B86A-D7B4-CC7F-5E7E-D114CCE3E6AA}"/>
               </a:ext>
             </a:extLst>
           </p:cNvPr>
@@ -2902,7 +2902,7 @@
             </a:lvl1pPr>
           </a:lstStyle>
           <a:p>
-            <a:fld id="{D513081D-6784-44BD-B0E5-0EB5DD2C4A0C}" type="datetimeFigureOut">
+            <a:fld id="{4904D972-448C-42DF-963E-D40083528948}" type="datetimeFigureOut">
               <a:rPr lang="zh-CN" altLang="en-US" smtClean="0"/>
               <a:t>2024/3/10</a:t>
             </a:fld>
@@ -2915,7 +2915,7 @@
           <p:cNvPr id="5" name="页脚占位符 4">
             <a:extLst>
               <a:ext uri="{FF2B5EF4-FFF2-40B4-BE49-F238E27FC236}">
-                <a16:creationId xmlns:a16="http://schemas.microsoft.com/office/drawing/2014/main" id="{D24D5121-92D5-009C-FB2C-42C6F5E19F8D}"/>
+                <a16:creationId xmlns:a16="http://schemas.microsoft.com/office/drawing/2014/main" id="{35F6D4F1-6D38-ABBA-A273-459556EFA36C}"/>
               </a:ext>
             </a:extLst>
           </p:cNvPr>
@@ -2958,7 +2958,7 @@
           <p:cNvPr id="6" name="灯片编号占位符 5">
             <a:extLst>
               <a:ext uri="{FF2B5EF4-FFF2-40B4-BE49-F238E27FC236}">
-                <a16:creationId xmlns:a16="http://schemas.microsoft.com/office/drawing/2014/main" id="{5B303665-529D-D5DA-4CCD-B6A30816A224}"/>
+                <a16:creationId xmlns:a16="http://schemas.microsoft.com/office/drawing/2014/main" id="{09FEE544-1E44-633D-D21E-37CAB8FF19B7}"/>
               </a:ext>
             </a:extLst>
           </p:cNvPr>
@@ -2992,7 +2992,7 @@
             </a:lvl1pPr>
           </a:lstStyle>
           <a:p>
-            <a:fld id="{349C093A-47EF-40F7-9226-DCEE87C7A08A}" type="slidenum">
+            <a:fld id="{56CB6C3B-D996-4F0A-8B62-F26A244D9AA4}" type="slidenum">
               <a:rPr lang="zh-CN" altLang="en-US" smtClean="0"/>
               <a:t>‹#›</a:t>
             </a:fld>
@@ -3003,7 +3003,7 @@
     </p:spTree>
     <p:extLst>
       <p:ext uri="{BB962C8B-B14F-4D97-AF65-F5344CB8AC3E}">
-        <p14:creationId xmlns:p14="http://schemas.microsoft.com/office/powerpoint/2010/main" val="1216138892"/>
+        <p14:creationId xmlns:p14="http://schemas.microsoft.com/office/powerpoint/2010/main" val="4043044660"/>
       </p:ext>
     </p:extLst>
   </p:cSld>
